--- a/JeanPiaget/2019-2020/Presentaciones/3_Un2_VI_BúsquedaInformación.pptx
+++ b/JeanPiaget/2019-2020/Presentaciones/3_Un2_VI_BúsquedaInformación.pptx
@@ -7,6 +7,23 @@
   <p:sldIdLst>
     <p:sldId id="256" r:id="rId2"/>
     <p:sldId id="257" r:id="rId3"/>
+    <p:sldId id="260" r:id="rId4"/>
+    <p:sldId id="266" r:id="rId5"/>
+    <p:sldId id="267" r:id="rId6"/>
+    <p:sldId id="265" r:id="rId7"/>
+    <p:sldId id="268" r:id="rId8"/>
+    <p:sldId id="269" r:id="rId9"/>
+    <p:sldId id="263" r:id="rId10"/>
+    <p:sldId id="259" r:id="rId11"/>
+    <p:sldId id="271" r:id="rId12"/>
+    <p:sldId id="272" r:id="rId13"/>
+    <p:sldId id="261" r:id="rId14"/>
+    <p:sldId id="262" r:id="rId15"/>
+    <p:sldId id="273" r:id="rId16"/>
+    <p:sldId id="275" r:id="rId17"/>
+    <p:sldId id="276" r:id="rId18"/>
+    <p:sldId id="277" r:id="rId19"/>
+    <p:sldId id="278" r:id="rId20"/>
   </p:sldIdLst>
   <p:sldSz cx="12192000" cy="6858000"/>
   <p:notesSz cx="6858000" cy="9144000"/>
@@ -255,7 +272,7 @@
           <a:p>
             <a:fld id="{295F3DDD-7732-4254-8892-247617EE9CD7}" type="datetimeFigureOut">
               <a:rPr lang="es-MX" smtClean="0"/>
-              <a:t>15/08/2019</a:t>
+              <a:t>05/09/2019</a:t>
             </a:fld>
             <a:endParaRPr lang="es-MX"/>
           </a:p>
@@ -425,7 +442,7 @@
           <a:p>
             <a:fld id="{295F3DDD-7732-4254-8892-247617EE9CD7}" type="datetimeFigureOut">
               <a:rPr lang="es-MX" smtClean="0"/>
-              <a:t>15/08/2019</a:t>
+              <a:t>05/09/2019</a:t>
             </a:fld>
             <a:endParaRPr lang="es-MX"/>
           </a:p>
@@ -605,7 +622,7 @@
           <a:p>
             <a:fld id="{295F3DDD-7732-4254-8892-247617EE9CD7}" type="datetimeFigureOut">
               <a:rPr lang="es-MX" smtClean="0"/>
-              <a:t>15/08/2019</a:t>
+              <a:t>05/09/2019</a:t>
             </a:fld>
             <a:endParaRPr lang="es-MX"/>
           </a:p>
@@ -775,7 +792,7 @@
           <a:p>
             <a:fld id="{295F3DDD-7732-4254-8892-247617EE9CD7}" type="datetimeFigureOut">
               <a:rPr lang="es-MX" smtClean="0"/>
-              <a:t>15/08/2019</a:t>
+              <a:t>05/09/2019</a:t>
             </a:fld>
             <a:endParaRPr lang="es-MX"/>
           </a:p>
@@ -1021,7 +1038,7 @@
           <a:p>
             <a:fld id="{295F3DDD-7732-4254-8892-247617EE9CD7}" type="datetimeFigureOut">
               <a:rPr lang="es-MX" smtClean="0"/>
-              <a:t>15/08/2019</a:t>
+              <a:t>05/09/2019</a:t>
             </a:fld>
             <a:endParaRPr lang="es-MX"/>
           </a:p>
@@ -1253,7 +1270,7 @@
           <a:p>
             <a:fld id="{295F3DDD-7732-4254-8892-247617EE9CD7}" type="datetimeFigureOut">
               <a:rPr lang="es-MX" smtClean="0"/>
-              <a:t>15/08/2019</a:t>
+              <a:t>05/09/2019</a:t>
             </a:fld>
             <a:endParaRPr lang="es-MX"/>
           </a:p>
@@ -1620,7 +1637,7 @@
           <a:p>
             <a:fld id="{295F3DDD-7732-4254-8892-247617EE9CD7}" type="datetimeFigureOut">
               <a:rPr lang="es-MX" smtClean="0"/>
-              <a:t>15/08/2019</a:t>
+              <a:t>05/09/2019</a:t>
             </a:fld>
             <a:endParaRPr lang="es-MX"/>
           </a:p>
@@ -1738,7 +1755,7 @@
           <a:p>
             <a:fld id="{295F3DDD-7732-4254-8892-247617EE9CD7}" type="datetimeFigureOut">
               <a:rPr lang="es-MX" smtClean="0"/>
-              <a:t>15/08/2019</a:t>
+              <a:t>05/09/2019</a:t>
             </a:fld>
             <a:endParaRPr lang="es-MX"/>
           </a:p>
@@ -1833,7 +1850,7 @@
           <a:p>
             <a:fld id="{295F3DDD-7732-4254-8892-247617EE9CD7}" type="datetimeFigureOut">
               <a:rPr lang="es-MX" smtClean="0"/>
-              <a:t>15/08/2019</a:t>
+              <a:t>05/09/2019</a:t>
             </a:fld>
             <a:endParaRPr lang="es-MX"/>
           </a:p>
@@ -2110,7 +2127,7 @@
           <a:p>
             <a:fld id="{295F3DDD-7732-4254-8892-247617EE9CD7}" type="datetimeFigureOut">
               <a:rPr lang="es-MX" smtClean="0"/>
-              <a:t>15/08/2019</a:t>
+              <a:t>05/09/2019</a:t>
             </a:fld>
             <a:endParaRPr lang="es-MX"/>
           </a:p>
@@ -2363,7 +2380,7 @@
           <a:p>
             <a:fld id="{295F3DDD-7732-4254-8892-247617EE9CD7}" type="datetimeFigureOut">
               <a:rPr lang="es-MX" smtClean="0"/>
-              <a:t>15/08/2019</a:t>
+              <a:t>05/09/2019</a:t>
             </a:fld>
             <a:endParaRPr lang="es-MX"/>
           </a:p>
@@ -2576,7 +2593,7 @@
           <a:p>
             <a:fld id="{295F3DDD-7732-4254-8892-247617EE9CD7}" type="datetimeFigureOut">
               <a:rPr lang="es-MX" smtClean="0"/>
-              <a:t>15/08/2019</a:t>
+              <a:t>05/09/2019</a:t>
             </a:fld>
             <a:endParaRPr lang="es-MX"/>
           </a:p>
@@ -2997,10 +3014,10 @@
           <a:lstStyle/>
           <a:p>
             <a:r>
-              <a:rPr lang="es-MX" dirty="0" smtClean="0"/>
+              <a:rPr lang="es-MX" b="1" dirty="0" smtClean="0"/>
               <a:t>Búsqueda de Información</a:t>
             </a:r>
-            <a:endParaRPr lang="es-MX" dirty="0"/>
+            <a:endParaRPr lang="es-MX" b="1" dirty="0"/>
           </a:p>
         </p:txBody>
       </p:sp>
@@ -3014,7 +3031,12 @@
             <p:ph type="subTitle" idx="1"/>
           </p:nvPr>
         </p:nvSpPr>
-        <p:spPr/>
+        <p:spPr>
+          <a:xfrm>
+            <a:off x="1524000" y="3602038"/>
+            <a:ext cx="9144000" cy="1030288"/>
+          </a:xfrm>
+        </p:spPr>
         <p:txBody>
           <a:bodyPr/>
           <a:lstStyle/>
@@ -3034,6 +3056,82 @@
               <a:t>PRINCIPALES DE UN PROYECTO DE INVESTIGACIÓN</a:t>
             </a:r>
             <a:endParaRPr lang="es-MX" dirty="0"/>
+          </a:p>
+        </p:txBody>
+      </p:sp>
+      <p:sp>
+        <p:nvSpPr>
+          <p:cNvPr id="4" name="Rectángulo 3"/>
+          <p:cNvSpPr/>
+          <p:nvPr/>
+        </p:nvSpPr>
+        <p:spPr>
+          <a:xfrm>
+            <a:off x="0" y="0"/>
+            <a:ext cx="12192000" cy="1236133"/>
+          </a:xfrm>
+          <a:prstGeom prst="rect">
+            <a:avLst/>
+          </a:prstGeom>
+        </p:spPr>
+        <p:style>
+          <a:lnRef idx="0">
+            <a:schemeClr val="accent1"/>
+          </a:lnRef>
+          <a:fillRef idx="3">
+            <a:schemeClr val="accent1"/>
+          </a:fillRef>
+          <a:effectRef idx="3">
+            <a:schemeClr val="accent1"/>
+          </a:effectRef>
+          <a:fontRef idx="minor">
+            <a:schemeClr val="lt1"/>
+          </a:fontRef>
+        </p:style>
+        <p:txBody>
+          <a:bodyPr rtlCol="0" anchor="ctr"/>
+          <a:lstStyle/>
+          <a:p>
+            <a:pPr algn="ctr"/>
+            <a:endParaRPr lang="es-MX"/>
+          </a:p>
+        </p:txBody>
+      </p:sp>
+      <p:sp>
+        <p:nvSpPr>
+          <p:cNvPr id="5" name="Rectángulo 4"/>
+          <p:cNvSpPr/>
+          <p:nvPr/>
+        </p:nvSpPr>
+        <p:spPr>
+          <a:xfrm>
+            <a:off x="0" y="5621867"/>
+            <a:ext cx="12192000" cy="1236133"/>
+          </a:xfrm>
+          <a:prstGeom prst="rect">
+            <a:avLst/>
+          </a:prstGeom>
+        </p:spPr>
+        <p:style>
+          <a:lnRef idx="0">
+            <a:schemeClr val="accent1"/>
+          </a:lnRef>
+          <a:fillRef idx="3">
+            <a:schemeClr val="accent1"/>
+          </a:fillRef>
+          <a:effectRef idx="3">
+            <a:schemeClr val="accent1"/>
+          </a:effectRef>
+          <a:fontRef idx="minor">
+            <a:schemeClr val="lt1"/>
+          </a:fontRef>
+        </p:style>
+        <p:txBody>
+          <a:bodyPr rtlCol="0" anchor="ctr"/>
+          <a:lstStyle/>
+          <a:p>
+            <a:pPr algn="ctr"/>
+            <a:endParaRPr lang="es-MX"/>
           </a:p>
         </p:txBody>
       </p:sp>
@@ -3041,6 +3139,1122 @@
     <p:extLst>
       <p:ext uri="{BB962C8B-B14F-4D97-AF65-F5344CB8AC3E}">
         <p14:creationId xmlns:p14="http://schemas.microsoft.com/office/powerpoint/2010/main" val="3005327647"/>
+      </p:ext>
+    </p:extLst>
+  </p:cSld>
+  <p:clrMapOvr>
+    <a:masterClrMapping/>
+  </p:clrMapOvr>
+</p:sld>
+</file>
+
+<file path=ppt/slides/slide10.xml><?xml version="1.0" encoding="utf-8"?>
+<p:sld xmlns:a="http://schemas.openxmlformats.org/drawingml/2006/main" xmlns:r="http://schemas.openxmlformats.org/officeDocument/2006/relationships" xmlns:p="http://schemas.openxmlformats.org/presentationml/2006/main">
+  <p:cSld>
+    <p:spTree>
+      <p:nvGrpSpPr>
+        <p:cNvPr id="1" name=""/>
+        <p:cNvGrpSpPr/>
+        <p:nvPr/>
+      </p:nvGrpSpPr>
+      <p:grpSpPr>
+        <a:xfrm>
+          <a:off x="0" y="0"/>
+          <a:ext cx="0" cy="0"/>
+          <a:chOff x="0" y="0"/>
+          <a:chExt cx="0" cy="0"/>
+        </a:xfrm>
+      </p:grpSpPr>
+      <p:sp>
+        <p:nvSpPr>
+          <p:cNvPr id="2" name="Título 1"/>
+          <p:cNvSpPr>
+            <a:spLocks noGrp="1"/>
+          </p:cNvSpPr>
+          <p:nvPr>
+            <p:ph type="title"/>
+          </p:nvPr>
+        </p:nvSpPr>
+        <p:spPr>
+          <a:xfrm>
+            <a:off x="197378" y="187325"/>
+            <a:ext cx="3750733" cy="1325563"/>
+          </a:xfrm>
+          <a:solidFill>
+            <a:schemeClr val="accent4">
+              <a:lumMod val="20000"/>
+              <a:lumOff val="80000"/>
+            </a:schemeClr>
+          </a:solidFill>
+          <a:ln>
+            <a:solidFill>
+              <a:schemeClr val="bg2">
+                <a:lumMod val="10000"/>
+              </a:schemeClr>
+            </a:solidFill>
+          </a:ln>
+        </p:spPr>
+        <p:txBody>
+          <a:bodyPr/>
+          <a:lstStyle/>
+          <a:p>
+            <a:r>
+              <a:rPr lang="es-MX" dirty="0" smtClean="0"/>
+              <a:t>Google </a:t>
+            </a:r>
+            <a:r>
+              <a:rPr lang="es-MX" dirty="0" err="1" smtClean="0"/>
+              <a:t>Scholar</a:t>
+            </a:r>
+            <a:endParaRPr lang="es-MX" dirty="0"/>
+          </a:p>
+        </p:txBody>
+      </p:sp>
+      <p:sp>
+        <p:nvSpPr>
+          <p:cNvPr id="3" name="Marcador de contenido 2"/>
+          <p:cNvSpPr>
+            <a:spLocks noGrp="1"/>
+          </p:cNvSpPr>
+          <p:nvPr>
+            <p:ph idx="1"/>
+          </p:nvPr>
+        </p:nvSpPr>
+        <p:spPr/>
+        <p:txBody>
+          <a:bodyPr/>
+          <a:lstStyle/>
+          <a:p>
+            <a:endParaRPr lang="es-MX" dirty="0" smtClean="0"/>
+          </a:p>
+          <a:p>
+            <a:endParaRPr lang="es-MX" dirty="0"/>
+          </a:p>
+        </p:txBody>
+      </p:sp>
+      <p:pic>
+        <p:nvPicPr>
+          <p:cNvPr id="4" name="Imagen 3"/>
+          <p:cNvPicPr>
+            <a:picLocks noChangeAspect="1"/>
+          </p:cNvPicPr>
+          <p:nvPr/>
+        </p:nvPicPr>
+        <p:blipFill>
+          <a:blip r:embed="rId2"/>
+          <a:stretch>
+            <a:fillRect/>
+          </a:stretch>
+        </p:blipFill>
+        <p:spPr>
+          <a:xfrm>
+            <a:off x="2072745" y="1961091"/>
+            <a:ext cx="7885389" cy="3585369"/>
+          </a:xfrm>
+          <a:prstGeom prst="rect">
+            <a:avLst/>
+          </a:prstGeom>
+        </p:spPr>
+      </p:pic>
+    </p:spTree>
+    <p:extLst>
+      <p:ext uri="{BB962C8B-B14F-4D97-AF65-F5344CB8AC3E}">
+        <p14:creationId xmlns:p14="http://schemas.microsoft.com/office/powerpoint/2010/main" val="2376606826"/>
+      </p:ext>
+    </p:extLst>
+  </p:cSld>
+  <p:clrMapOvr>
+    <a:masterClrMapping/>
+  </p:clrMapOvr>
+</p:sld>
+</file>
+
+<file path=ppt/slides/slide11.xml><?xml version="1.0" encoding="utf-8"?>
+<p:sld xmlns:a="http://schemas.openxmlformats.org/drawingml/2006/main" xmlns:r="http://schemas.openxmlformats.org/officeDocument/2006/relationships" xmlns:p="http://schemas.openxmlformats.org/presentationml/2006/main">
+  <p:cSld>
+    <p:spTree>
+      <p:nvGrpSpPr>
+        <p:cNvPr id="1" name=""/>
+        <p:cNvGrpSpPr/>
+        <p:nvPr/>
+      </p:nvGrpSpPr>
+      <p:grpSpPr>
+        <a:xfrm>
+          <a:off x="0" y="0"/>
+          <a:ext cx="0" cy="0"/>
+          <a:chOff x="0" y="0"/>
+          <a:chExt cx="0" cy="0"/>
+        </a:xfrm>
+      </p:grpSpPr>
+      <p:sp>
+        <p:nvSpPr>
+          <p:cNvPr id="2" name="Título 1"/>
+          <p:cNvSpPr>
+            <a:spLocks noGrp="1"/>
+          </p:cNvSpPr>
+          <p:nvPr>
+            <p:ph type="title"/>
+          </p:nvPr>
+        </p:nvSpPr>
+        <p:spPr/>
+        <p:txBody>
+          <a:bodyPr/>
+          <a:lstStyle/>
+          <a:p>
+            <a:endParaRPr lang="es-MX"/>
+          </a:p>
+        </p:txBody>
+      </p:sp>
+      <p:sp>
+        <p:nvSpPr>
+          <p:cNvPr id="3" name="Marcador de contenido 2"/>
+          <p:cNvSpPr>
+            <a:spLocks noGrp="1"/>
+          </p:cNvSpPr>
+          <p:nvPr>
+            <p:ph idx="1"/>
+          </p:nvPr>
+        </p:nvSpPr>
+        <p:spPr/>
+        <p:txBody>
+          <a:bodyPr/>
+          <a:lstStyle/>
+          <a:p>
+            <a:endParaRPr lang="es-MX"/>
+          </a:p>
+        </p:txBody>
+      </p:sp>
+      <p:pic>
+        <p:nvPicPr>
+          <p:cNvPr id="4" name="Imagen 3"/>
+          <p:cNvPicPr>
+            <a:picLocks noChangeAspect="1"/>
+          </p:cNvPicPr>
+          <p:nvPr/>
+        </p:nvPicPr>
+        <p:blipFill>
+          <a:blip r:embed="rId2"/>
+          <a:stretch>
+            <a:fillRect/>
+          </a:stretch>
+        </p:blipFill>
+        <p:spPr>
+          <a:xfrm>
+            <a:off x="571500" y="333375"/>
+            <a:ext cx="11049000" cy="6191250"/>
+          </a:xfrm>
+          <a:prstGeom prst="rect">
+            <a:avLst/>
+          </a:prstGeom>
+        </p:spPr>
+      </p:pic>
+    </p:spTree>
+    <p:extLst>
+      <p:ext uri="{BB962C8B-B14F-4D97-AF65-F5344CB8AC3E}">
+        <p14:creationId xmlns:p14="http://schemas.microsoft.com/office/powerpoint/2010/main" val="3648638091"/>
+      </p:ext>
+    </p:extLst>
+  </p:cSld>
+  <p:clrMapOvr>
+    <a:masterClrMapping/>
+  </p:clrMapOvr>
+</p:sld>
+</file>
+
+<file path=ppt/slides/slide12.xml><?xml version="1.0" encoding="utf-8"?>
+<p:sld xmlns:a="http://schemas.openxmlformats.org/drawingml/2006/main" xmlns:r="http://schemas.openxmlformats.org/officeDocument/2006/relationships" xmlns:p="http://schemas.openxmlformats.org/presentationml/2006/main">
+  <p:cSld>
+    <p:spTree>
+      <p:nvGrpSpPr>
+        <p:cNvPr id="1" name=""/>
+        <p:cNvGrpSpPr/>
+        <p:nvPr/>
+      </p:nvGrpSpPr>
+      <p:grpSpPr>
+        <a:xfrm>
+          <a:off x="0" y="0"/>
+          <a:ext cx="0" cy="0"/>
+          <a:chOff x="0" y="0"/>
+          <a:chExt cx="0" cy="0"/>
+        </a:xfrm>
+      </p:grpSpPr>
+      <p:sp>
+        <p:nvSpPr>
+          <p:cNvPr id="2" name="Título 1"/>
+          <p:cNvSpPr>
+            <a:spLocks noGrp="1"/>
+          </p:cNvSpPr>
+          <p:nvPr>
+            <p:ph type="title"/>
+          </p:nvPr>
+        </p:nvSpPr>
+        <p:spPr/>
+        <p:txBody>
+          <a:bodyPr/>
+          <a:lstStyle/>
+          <a:p>
+            <a:endParaRPr lang="es-MX"/>
+          </a:p>
+        </p:txBody>
+      </p:sp>
+      <p:sp>
+        <p:nvSpPr>
+          <p:cNvPr id="3" name="Marcador de contenido 2"/>
+          <p:cNvSpPr>
+            <a:spLocks noGrp="1"/>
+          </p:cNvSpPr>
+          <p:nvPr>
+            <p:ph idx="1"/>
+          </p:nvPr>
+        </p:nvSpPr>
+        <p:spPr/>
+        <p:txBody>
+          <a:bodyPr/>
+          <a:lstStyle/>
+          <a:p>
+            <a:endParaRPr lang="es-MX"/>
+          </a:p>
+        </p:txBody>
+      </p:sp>
+      <p:pic>
+        <p:nvPicPr>
+          <p:cNvPr id="4" name="Imagen 3"/>
+          <p:cNvPicPr>
+            <a:picLocks noChangeAspect="1"/>
+          </p:cNvPicPr>
+          <p:nvPr/>
+        </p:nvPicPr>
+        <p:blipFill>
+          <a:blip r:embed="rId2"/>
+          <a:stretch>
+            <a:fillRect/>
+          </a:stretch>
+        </p:blipFill>
+        <p:spPr>
+          <a:xfrm>
+            <a:off x="455082" y="730992"/>
+            <a:ext cx="11508318" cy="5396016"/>
+          </a:xfrm>
+          <a:prstGeom prst="rect">
+            <a:avLst/>
+          </a:prstGeom>
+        </p:spPr>
+      </p:pic>
+    </p:spTree>
+    <p:extLst>
+      <p:ext uri="{BB962C8B-B14F-4D97-AF65-F5344CB8AC3E}">
+        <p14:creationId xmlns:p14="http://schemas.microsoft.com/office/powerpoint/2010/main" val="2424601812"/>
+      </p:ext>
+    </p:extLst>
+  </p:cSld>
+  <p:clrMapOvr>
+    <a:masterClrMapping/>
+  </p:clrMapOvr>
+</p:sld>
+</file>
+
+<file path=ppt/slides/slide13.xml><?xml version="1.0" encoding="utf-8"?>
+<p:sld xmlns:a="http://schemas.openxmlformats.org/drawingml/2006/main" xmlns:r="http://schemas.openxmlformats.org/officeDocument/2006/relationships" xmlns:p="http://schemas.openxmlformats.org/presentationml/2006/main">
+  <p:cSld>
+    <p:spTree>
+      <p:nvGrpSpPr>
+        <p:cNvPr id="1" name=""/>
+        <p:cNvGrpSpPr/>
+        <p:nvPr/>
+      </p:nvGrpSpPr>
+      <p:grpSpPr>
+        <a:xfrm>
+          <a:off x="0" y="0"/>
+          <a:ext cx="0" cy="0"/>
+          <a:chOff x="0" y="0"/>
+          <a:chExt cx="0" cy="0"/>
+        </a:xfrm>
+      </p:grpSpPr>
+      <p:sp>
+        <p:nvSpPr>
+          <p:cNvPr id="2" name="Título 1"/>
+          <p:cNvSpPr>
+            <a:spLocks noGrp="1"/>
+          </p:cNvSpPr>
+          <p:nvPr>
+            <p:ph type="title"/>
+          </p:nvPr>
+        </p:nvSpPr>
+        <p:spPr>
+          <a:xfrm>
+            <a:off x="3746722" y="5156779"/>
+            <a:ext cx="4698555" cy="1325563"/>
+          </a:xfrm>
+          <a:solidFill>
+            <a:schemeClr val="accent2">
+              <a:lumMod val="20000"/>
+              <a:lumOff val="80000"/>
+            </a:schemeClr>
+          </a:solidFill>
+          <a:ln>
+            <a:solidFill>
+              <a:schemeClr val="accent6">
+                <a:lumMod val="50000"/>
+              </a:schemeClr>
+            </a:solidFill>
+          </a:ln>
+        </p:spPr>
+        <p:txBody>
+          <a:bodyPr/>
+          <a:lstStyle/>
+          <a:p>
+            <a:r>
+              <a:rPr lang="es-MX" dirty="0">
+                <a:hlinkClick r:id="rId2"/>
+              </a:rPr>
+              <a:t>https://sci-hub.tw/</a:t>
+            </a:r>
+            <a:endParaRPr lang="es-MX" dirty="0"/>
+          </a:p>
+        </p:txBody>
+      </p:sp>
+      <p:sp>
+        <p:nvSpPr>
+          <p:cNvPr id="3" name="Marcador de contenido 2"/>
+          <p:cNvSpPr>
+            <a:spLocks noGrp="1"/>
+          </p:cNvSpPr>
+          <p:nvPr>
+            <p:ph idx="1"/>
+          </p:nvPr>
+        </p:nvSpPr>
+        <p:spPr/>
+        <p:txBody>
+          <a:bodyPr/>
+          <a:lstStyle/>
+          <a:p>
+            <a:endParaRPr lang="es-MX" dirty="0"/>
+          </a:p>
+        </p:txBody>
+      </p:sp>
+      <p:pic>
+        <p:nvPicPr>
+          <p:cNvPr id="4" name="Imagen 3"/>
+          <p:cNvPicPr>
+            <a:picLocks noChangeAspect="1"/>
+          </p:cNvPicPr>
+          <p:nvPr/>
+        </p:nvPicPr>
+        <p:blipFill>
+          <a:blip r:embed="rId3"/>
+          <a:stretch>
+            <a:fillRect/>
+          </a:stretch>
+        </p:blipFill>
+        <p:spPr>
+          <a:xfrm>
+            <a:off x="210778" y="665587"/>
+            <a:ext cx="11905911" cy="4101146"/>
+          </a:xfrm>
+          <a:prstGeom prst="rect">
+            <a:avLst/>
+          </a:prstGeom>
+        </p:spPr>
+      </p:pic>
+    </p:spTree>
+    <p:extLst>
+      <p:ext uri="{BB962C8B-B14F-4D97-AF65-F5344CB8AC3E}">
+        <p14:creationId xmlns:p14="http://schemas.microsoft.com/office/powerpoint/2010/main" val="2000970352"/>
+      </p:ext>
+    </p:extLst>
+  </p:cSld>
+  <p:clrMapOvr>
+    <a:masterClrMapping/>
+  </p:clrMapOvr>
+</p:sld>
+</file>
+
+<file path=ppt/slides/slide14.xml><?xml version="1.0" encoding="utf-8"?>
+<p:sld xmlns:a="http://schemas.openxmlformats.org/drawingml/2006/main" xmlns:r="http://schemas.openxmlformats.org/officeDocument/2006/relationships" xmlns:p="http://schemas.openxmlformats.org/presentationml/2006/main">
+  <p:cSld>
+    <p:spTree>
+      <p:nvGrpSpPr>
+        <p:cNvPr id="1" name=""/>
+        <p:cNvGrpSpPr/>
+        <p:nvPr/>
+      </p:nvGrpSpPr>
+      <p:grpSpPr>
+        <a:xfrm>
+          <a:off x="0" y="0"/>
+          <a:ext cx="0" cy="0"/>
+          <a:chOff x="0" y="0"/>
+          <a:chExt cx="0" cy="0"/>
+        </a:xfrm>
+      </p:grpSpPr>
+      <p:sp>
+        <p:nvSpPr>
+          <p:cNvPr id="2" name="Título 1"/>
+          <p:cNvSpPr>
+            <a:spLocks noGrp="1"/>
+          </p:cNvSpPr>
+          <p:nvPr>
+            <p:ph type="title"/>
+          </p:nvPr>
+        </p:nvSpPr>
+        <p:spPr/>
+        <p:txBody>
+          <a:bodyPr/>
+          <a:lstStyle/>
+          <a:p>
+            <a:endParaRPr lang="es-MX"/>
+          </a:p>
+        </p:txBody>
+      </p:sp>
+      <p:sp>
+        <p:nvSpPr>
+          <p:cNvPr id="3" name="Marcador de contenido 2"/>
+          <p:cNvSpPr>
+            <a:spLocks noGrp="1"/>
+          </p:cNvSpPr>
+          <p:nvPr>
+            <p:ph idx="1"/>
+          </p:nvPr>
+        </p:nvSpPr>
+        <p:spPr/>
+        <p:txBody>
+          <a:bodyPr/>
+          <a:lstStyle/>
+          <a:p>
+            <a:endParaRPr lang="es-MX"/>
+          </a:p>
+        </p:txBody>
+      </p:sp>
+      <p:pic>
+        <p:nvPicPr>
+          <p:cNvPr id="4" name="Imagen 3"/>
+          <p:cNvPicPr>
+            <a:picLocks noChangeAspect="1"/>
+          </p:cNvPicPr>
+          <p:nvPr/>
+        </p:nvPicPr>
+        <p:blipFill>
+          <a:blip r:embed="rId2"/>
+          <a:stretch>
+            <a:fillRect/>
+          </a:stretch>
+        </p:blipFill>
+        <p:spPr>
+          <a:xfrm>
+            <a:off x="2879459" y="0"/>
+            <a:ext cx="8278813" cy="6815923"/>
+          </a:xfrm>
+          <a:prstGeom prst="rect">
+            <a:avLst/>
+          </a:prstGeom>
+        </p:spPr>
+      </p:pic>
+      <p:sp>
+        <p:nvSpPr>
+          <p:cNvPr id="5" name="Rectángulo 4"/>
+          <p:cNvSpPr/>
+          <p:nvPr/>
+        </p:nvSpPr>
+        <p:spPr>
+          <a:xfrm>
+            <a:off x="93203" y="3312067"/>
+            <a:ext cx="1967142" cy="400110"/>
+          </a:xfrm>
+          <a:prstGeom prst="rect">
+            <a:avLst/>
+          </a:prstGeom>
+          <a:solidFill>
+            <a:schemeClr val="accent6">
+              <a:lumMod val="20000"/>
+              <a:lumOff val="80000"/>
+            </a:schemeClr>
+          </a:solidFill>
+          <a:ln>
+            <a:solidFill>
+              <a:schemeClr val="accent6">
+                <a:lumMod val="50000"/>
+              </a:schemeClr>
+            </a:solidFill>
+          </a:ln>
+        </p:spPr>
+        <p:txBody>
+          <a:bodyPr wrap="none">
+            <a:spAutoFit/>
+          </a:bodyPr>
+          <a:lstStyle/>
+          <a:p>
+            <a:r>
+              <a:rPr lang="es-MX" sz="2000" dirty="0">
+                <a:solidFill>
+                  <a:schemeClr val="accent6">
+                    <a:lumMod val="50000"/>
+                  </a:schemeClr>
+                </a:solidFill>
+                <a:hlinkClick r:id="rId3"/>
+              </a:rPr>
+              <a:t>https://b-ok.org/</a:t>
+            </a:r>
+            <a:endParaRPr lang="es-MX" sz="2000" dirty="0">
+              <a:solidFill>
+                <a:schemeClr val="accent6">
+                  <a:lumMod val="50000"/>
+                </a:schemeClr>
+              </a:solidFill>
+            </a:endParaRPr>
+          </a:p>
+        </p:txBody>
+      </p:sp>
+    </p:spTree>
+    <p:extLst>
+      <p:ext uri="{BB962C8B-B14F-4D97-AF65-F5344CB8AC3E}">
+        <p14:creationId xmlns:p14="http://schemas.microsoft.com/office/powerpoint/2010/main" val="2018297751"/>
+      </p:ext>
+    </p:extLst>
+  </p:cSld>
+  <p:clrMapOvr>
+    <a:masterClrMapping/>
+  </p:clrMapOvr>
+</p:sld>
+</file>
+
+<file path=ppt/slides/slide15.xml><?xml version="1.0" encoding="utf-8"?>
+<p:sld xmlns:a="http://schemas.openxmlformats.org/drawingml/2006/main" xmlns:r="http://schemas.openxmlformats.org/officeDocument/2006/relationships" xmlns:p="http://schemas.openxmlformats.org/presentationml/2006/main">
+  <p:cSld>
+    <p:spTree>
+      <p:nvGrpSpPr>
+        <p:cNvPr id="1" name=""/>
+        <p:cNvGrpSpPr/>
+        <p:nvPr/>
+      </p:nvGrpSpPr>
+      <p:grpSpPr>
+        <a:xfrm>
+          <a:off x="0" y="0"/>
+          <a:ext cx="0" cy="0"/>
+          <a:chOff x="0" y="0"/>
+          <a:chExt cx="0" cy="0"/>
+        </a:xfrm>
+      </p:grpSpPr>
+      <p:sp>
+        <p:nvSpPr>
+          <p:cNvPr id="2" name="Título 1"/>
+          <p:cNvSpPr>
+            <a:spLocks noGrp="1"/>
+          </p:cNvSpPr>
+          <p:nvPr>
+            <p:ph type="title"/>
+          </p:nvPr>
+        </p:nvSpPr>
+        <p:spPr>
+          <a:xfrm>
+            <a:off x="643467" y="365125"/>
+            <a:ext cx="10710333" cy="1325563"/>
+          </a:xfrm>
+        </p:spPr>
+        <p:txBody>
+          <a:bodyPr/>
+          <a:lstStyle/>
+          <a:p>
+            <a:r>
+              <a:rPr lang="es-MX" b="1" dirty="0" smtClean="0"/>
+              <a:t>Herramientas para la Búsqueda de Información</a:t>
+            </a:r>
+            <a:endParaRPr lang="es-MX" b="1" dirty="0"/>
+          </a:p>
+        </p:txBody>
+      </p:sp>
+      <p:sp>
+        <p:nvSpPr>
+          <p:cNvPr id="3" name="Marcador de contenido 2"/>
+          <p:cNvSpPr>
+            <a:spLocks noGrp="1"/>
+          </p:cNvSpPr>
+          <p:nvPr>
+            <p:ph idx="1"/>
+          </p:nvPr>
+        </p:nvSpPr>
+        <p:spPr>
+          <a:xfrm>
+            <a:off x="643467" y="1825625"/>
+            <a:ext cx="10710333" cy="4351338"/>
+          </a:xfrm>
+        </p:spPr>
+        <p:txBody>
+          <a:bodyPr/>
+          <a:lstStyle/>
+          <a:p>
+            <a:r>
+              <a:rPr lang="es-MX" dirty="0" smtClean="0"/>
+              <a:t>Bibliotecas</a:t>
+            </a:r>
+          </a:p>
+          <a:p>
+            <a:endParaRPr lang="es-MX" dirty="0"/>
+          </a:p>
+          <a:p>
+            <a:r>
+              <a:rPr lang="es-MX" dirty="0" smtClean="0"/>
+              <a:t>Buscadores de internet</a:t>
+            </a:r>
+          </a:p>
+          <a:p>
+            <a:endParaRPr lang="es-MX" dirty="0"/>
+          </a:p>
+          <a:p>
+            <a:r>
+              <a:rPr lang="es-MX" dirty="0" smtClean="0"/>
+              <a:t>Trazar una red de referencias</a:t>
+            </a:r>
+            <a:endParaRPr lang="es-MX" dirty="0"/>
+          </a:p>
+        </p:txBody>
+      </p:sp>
+      <p:sp>
+        <p:nvSpPr>
+          <p:cNvPr id="4" name="Rectángulo 3"/>
+          <p:cNvSpPr/>
+          <p:nvPr/>
+        </p:nvSpPr>
+        <p:spPr>
+          <a:xfrm>
+            <a:off x="0" y="0"/>
+            <a:ext cx="12192000" cy="550333"/>
+          </a:xfrm>
+          <a:prstGeom prst="rect">
+            <a:avLst/>
+          </a:prstGeom>
+        </p:spPr>
+        <p:style>
+          <a:lnRef idx="0">
+            <a:schemeClr val="accent1"/>
+          </a:lnRef>
+          <a:fillRef idx="3">
+            <a:schemeClr val="accent1"/>
+          </a:fillRef>
+          <a:effectRef idx="3">
+            <a:schemeClr val="accent1"/>
+          </a:effectRef>
+          <a:fontRef idx="minor">
+            <a:schemeClr val="lt1"/>
+          </a:fontRef>
+        </p:style>
+        <p:txBody>
+          <a:bodyPr rtlCol="0" anchor="ctr"/>
+          <a:lstStyle/>
+          <a:p>
+            <a:pPr algn="ctr"/>
+            <a:endParaRPr lang="es-MX"/>
+          </a:p>
+        </p:txBody>
+      </p:sp>
+      <p:sp>
+        <p:nvSpPr>
+          <p:cNvPr id="5" name="Rectángulo 4"/>
+          <p:cNvSpPr/>
+          <p:nvPr/>
+        </p:nvSpPr>
+        <p:spPr>
+          <a:xfrm>
+            <a:off x="0" y="5808133"/>
+            <a:ext cx="12192000" cy="1049867"/>
+          </a:xfrm>
+          <a:prstGeom prst="rect">
+            <a:avLst/>
+          </a:prstGeom>
+        </p:spPr>
+        <p:style>
+          <a:lnRef idx="0">
+            <a:schemeClr val="accent1"/>
+          </a:lnRef>
+          <a:fillRef idx="3">
+            <a:schemeClr val="accent1"/>
+          </a:fillRef>
+          <a:effectRef idx="3">
+            <a:schemeClr val="accent1"/>
+          </a:effectRef>
+          <a:fontRef idx="minor">
+            <a:schemeClr val="lt1"/>
+          </a:fontRef>
+        </p:style>
+        <p:txBody>
+          <a:bodyPr rtlCol="0" anchor="ctr"/>
+          <a:lstStyle/>
+          <a:p>
+            <a:pPr algn="ctr"/>
+            <a:endParaRPr lang="es-MX"/>
+          </a:p>
+        </p:txBody>
+      </p:sp>
+    </p:spTree>
+    <p:extLst>
+      <p:ext uri="{BB962C8B-B14F-4D97-AF65-F5344CB8AC3E}">
+        <p14:creationId xmlns:p14="http://schemas.microsoft.com/office/powerpoint/2010/main" val="1347366938"/>
+      </p:ext>
+    </p:extLst>
+  </p:cSld>
+  <p:clrMapOvr>
+    <a:masterClrMapping/>
+  </p:clrMapOvr>
+</p:sld>
+</file>
+
+<file path=ppt/slides/slide16.xml><?xml version="1.0" encoding="utf-8"?>
+<p:sld xmlns:a="http://schemas.openxmlformats.org/drawingml/2006/main" xmlns:r="http://schemas.openxmlformats.org/officeDocument/2006/relationships" xmlns:p="http://schemas.openxmlformats.org/presentationml/2006/main">
+  <p:cSld>
+    <p:spTree>
+      <p:nvGrpSpPr>
+        <p:cNvPr id="1" name=""/>
+        <p:cNvGrpSpPr/>
+        <p:nvPr/>
+      </p:nvGrpSpPr>
+      <p:grpSpPr>
+        <a:xfrm>
+          <a:off x="0" y="0"/>
+          <a:ext cx="0" cy="0"/>
+          <a:chOff x="0" y="0"/>
+          <a:chExt cx="0" cy="0"/>
+        </a:xfrm>
+      </p:grpSpPr>
+      <p:sp>
+        <p:nvSpPr>
+          <p:cNvPr id="2" name="Título 1"/>
+          <p:cNvSpPr>
+            <a:spLocks noGrp="1"/>
+          </p:cNvSpPr>
+          <p:nvPr>
+            <p:ph type="title"/>
+          </p:nvPr>
+        </p:nvSpPr>
+        <p:spPr/>
+        <p:txBody>
+          <a:bodyPr/>
+          <a:lstStyle/>
+          <a:p>
+            <a:endParaRPr lang="es-MX"/>
+          </a:p>
+        </p:txBody>
+      </p:sp>
+      <p:sp>
+        <p:nvSpPr>
+          <p:cNvPr id="3" name="Marcador de contenido 2"/>
+          <p:cNvSpPr>
+            <a:spLocks noGrp="1"/>
+          </p:cNvSpPr>
+          <p:nvPr>
+            <p:ph idx="1"/>
+          </p:nvPr>
+        </p:nvSpPr>
+        <p:spPr/>
+        <p:txBody>
+          <a:bodyPr/>
+          <a:lstStyle/>
+          <a:p>
+            <a:endParaRPr lang="es-MX"/>
+          </a:p>
+        </p:txBody>
+      </p:sp>
+      <p:pic>
+        <p:nvPicPr>
+          <p:cNvPr id="4" name="Imagen 3"/>
+          <p:cNvPicPr>
+            <a:picLocks noChangeAspect="1"/>
+          </p:cNvPicPr>
+          <p:nvPr/>
+        </p:nvPicPr>
+        <p:blipFill>
+          <a:blip r:embed="rId2"/>
+          <a:stretch>
+            <a:fillRect/>
+          </a:stretch>
+        </p:blipFill>
+        <p:spPr>
+          <a:xfrm>
+            <a:off x="0" y="715694"/>
+            <a:ext cx="12192000" cy="5264727"/>
+          </a:xfrm>
+          <a:prstGeom prst="rect">
+            <a:avLst/>
+          </a:prstGeom>
+        </p:spPr>
+      </p:pic>
+    </p:spTree>
+    <p:extLst>
+      <p:ext uri="{BB962C8B-B14F-4D97-AF65-F5344CB8AC3E}">
+        <p14:creationId xmlns:p14="http://schemas.microsoft.com/office/powerpoint/2010/main" val="2864388130"/>
+      </p:ext>
+    </p:extLst>
+  </p:cSld>
+  <p:clrMapOvr>
+    <a:masterClrMapping/>
+  </p:clrMapOvr>
+</p:sld>
+</file>
+
+<file path=ppt/slides/slide17.xml><?xml version="1.0" encoding="utf-8"?>
+<p:sld xmlns:a="http://schemas.openxmlformats.org/drawingml/2006/main" xmlns:r="http://schemas.openxmlformats.org/officeDocument/2006/relationships" xmlns:p="http://schemas.openxmlformats.org/presentationml/2006/main">
+  <p:cSld>
+    <p:spTree>
+      <p:nvGrpSpPr>
+        <p:cNvPr id="1" name=""/>
+        <p:cNvGrpSpPr/>
+        <p:nvPr/>
+      </p:nvGrpSpPr>
+      <p:grpSpPr>
+        <a:xfrm>
+          <a:off x="0" y="0"/>
+          <a:ext cx="0" cy="0"/>
+          <a:chOff x="0" y="0"/>
+          <a:chExt cx="0" cy="0"/>
+        </a:xfrm>
+      </p:grpSpPr>
+      <p:sp>
+        <p:nvSpPr>
+          <p:cNvPr id="2" name="Título 1"/>
+          <p:cNvSpPr>
+            <a:spLocks noGrp="1"/>
+          </p:cNvSpPr>
+          <p:nvPr>
+            <p:ph type="title"/>
+          </p:nvPr>
+        </p:nvSpPr>
+        <p:spPr/>
+        <p:txBody>
+          <a:bodyPr/>
+          <a:lstStyle/>
+          <a:p>
+            <a:endParaRPr lang="es-MX"/>
+          </a:p>
+        </p:txBody>
+      </p:sp>
+      <p:sp>
+        <p:nvSpPr>
+          <p:cNvPr id="3" name="Marcador de contenido 2"/>
+          <p:cNvSpPr>
+            <a:spLocks noGrp="1"/>
+          </p:cNvSpPr>
+          <p:nvPr>
+            <p:ph idx="1"/>
+          </p:nvPr>
+        </p:nvSpPr>
+        <p:spPr/>
+        <p:txBody>
+          <a:bodyPr/>
+          <a:lstStyle/>
+          <a:p>
+            <a:endParaRPr lang="es-MX"/>
+          </a:p>
+        </p:txBody>
+      </p:sp>
+      <p:pic>
+        <p:nvPicPr>
+          <p:cNvPr id="4" name="Imagen 3"/>
+          <p:cNvPicPr>
+            <a:picLocks noChangeAspect="1"/>
+          </p:cNvPicPr>
+          <p:nvPr/>
+        </p:nvPicPr>
+        <p:blipFill>
+          <a:blip r:embed="rId2"/>
+          <a:stretch>
+            <a:fillRect/>
+          </a:stretch>
+        </p:blipFill>
+        <p:spPr>
+          <a:xfrm>
+            <a:off x="571500" y="333375"/>
+            <a:ext cx="11049000" cy="6191250"/>
+          </a:xfrm>
+          <a:prstGeom prst="rect">
+            <a:avLst/>
+          </a:prstGeom>
+        </p:spPr>
+      </p:pic>
+    </p:spTree>
+    <p:extLst>
+      <p:ext uri="{BB962C8B-B14F-4D97-AF65-F5344CB8AC3E}">
+        <p14:creationId xmlns:p14="http://schemas.microsoft.com/office/powerpoint/2010/main" val="2377374465"/>
+      </p:ext>
+    </p:extLst>
+  </p:cSld>
+  <p:clrMapOvr>
+    <a:masterClrMapping/>
+  </p:clrMapOvr>
+</p:sld>
+</file>
+
+<file path=ppt/slides/slide18.xml><?xml version="1.0" encoding="utf-8"?>
+<p:sld xmlns:a="http://schemas.openxmlformats.org/drawingml/2006/main" xmlns:r="http://schemas.openxmlformats.org/officeDocument/2006/relationships" xmlns:p="http://schemas.openxmlformats.org/presentationml/2006/main">
+  <p:cSld>
+    <p:spTree>
+      <p:nvGrpSpPr>
+        <p:cNvPr id="1" name=""/>
+        <p:cNvGrpSpPr/>
+        <p:nvPr/>
+      </p:nvGrpSpPr>
+      <p:grpSpPr>
+        <a:xfrm>
+          <a:off x="0" y="0"/>
+          <a:ext cx="0" cy="0"/>
+          <a:chOff x="0" y="0"/>
+          <a:chExt cx="0" cy="0"/>
+        </a:xfrm>
+      </p:grpSpPr>
+      <p:sp>
+        <p:nvSpPr>
+          <p:cNvPr id="2" name="Título 1"/>
+          <p:cNvSpPr>
+            <a:spLocks noGrp="1"/>
+          </p:cNvSpPr>
+          <p:nvPr>
+            <p:ph type="title"/>
+          </p:nvPr>
+        </p:nvSpPr>
+        <p:spPr/>
+        <p:txBody>
+          <a:bodyPr/>
+          <a:lstStyle/>
+          <a:p>
+            <a:endParaRPr lang="es-MX"/>
+          </a:p>
+        </p:txBody>
+      </p:sp>
+      <p:sp>
+        <p:nvSpPr>
+          <p:cNvPr id="3" name="Marcador de contenido 2"/>
+          <p:cNvSpPr>
+            <a:spLocks noGrp="1"/>
+          </p:cNvSpPr>
+          <p:nvPr>
+            <p:ph idx="1"/>
+          </p:nvPr>
+        </p:nvSpPr>
+        <p:spPr/>
+        <p:txBody>
+          <a:bodyPr/>
+          <a:lstStyle/>
+          <a:p>
+            <a:endParaRPr lang="es-MX"/>
+          </a:p>
+        </p:txBody>
+      </p:sp>
+      <p:pic>
+        <p:nvPicPr>
+          <p:cNvPr id="4" name="Imagen 3"/>
+          <p:cNvPicPr>
+            <a:picLocks noChangeAspect="1"/>
+          </p:cNvPicPr>
+          <p:nvPr/>
+        </p:nvPicPr>
+        <p:blipFill>
+          <a:blip r:embed="rId2"/>
+          <a:stretch>
+            <a:fillRect/>
+          </a:stretch>
+        </p:blipFill>
+        <p:spPr>
+          <a:xfrm>
+            <a:off x="578307" y="1027906"/>
+            <a:ext cx="10936360" cy="4814798"/>
+          </a:xfrm>
+          <a:prstGeom prst="rect">
+            <a:avLst/>
+          </a:prstGeom>
+        </p:spPr>
+      </p:pic>
+    </p:spTree>
+    <p:extLst>
+      <p:ext uri="{BB962C8B-B14F-4D97-AF65-F5344CB8AC3E}">
+        <p14:creationId xmlns:p14="http://schemas.microsoft.com/office/powerpoint/2010/main" val="3602046773"/>
+      </p:ext>
+    </p:extLst>
+  </p:cSld>
+  <p:clrMapOvr>
+    <a:masterClrMapping/>
+  </p:clrMapOvr>
+</p:sld>
+</file>
+
+<file path=ppt/slides/slide19.xml><?xml version="1.0" encoding="utf-8"?>
+<p:sld xmlns:a="http://schemas.openxmlformats.org/drawingml/2006/main" xmlns:r="http://schemas.openxmlformats.org/officeDocument/2006/relationships" xmlns:p="http://schemas.openxmlformats.org/presentationml/2006/main">
+  <p:cSld>
+    <p:spTree>
+      <p:nvGrpSpPr>
+        <p:cNvPr id="1" name=""/>
+        <p:cNvGrpSpPr/>
+        <p:nvPr/>
+      </p:nvGrpSpPr>
+      <p:grpSpPr>
+        <a:xfrm>
+          <a:off x="0" y="0"/>
+          <a:ext cx="0" cy="0"/>
+          <a:chOff x="0" y="0"/>
+          <a:chExt cx="0" cy="0"/>
+        </a:xfrm>
+      </p:grpSpPr>
+      <p:sp>
+        <p:nvSpPr>
+          <p:cNvPr id="2" name="Título 1"/>
+          <p:cNvSpPr>
+            <a:spLocks noGrp="1"/>
+          </p:cNvSpPr>
+          <p:nvPr>
+            <p:ph type="title"/>
+          </p:nvPr>
+        </p:nvSpPr>
+        <p:spPr/>
+        <p:txBody>
+          <a:bodyPr/>
+          <a:lstStyle/>
+          <a:p>
+            <a:endParaRPr lang="es-MX"/>
+          </a:p>
+        </p:txBody>
+      </p:sp>
+      <p:sp>
+        <p:nvSpPr>
+          <p:cNvPr id="3" name="Marcador de contenido 2"/>
+          <p:cNvSpPr>
+            <a:spLocks noGrp="1"/>
+          </p:cNvSpPr>
+          <p:nvPr>
+            <p:ph idx="1"/>
+          </p:nvPr>
+        </p:nvSpPr>
+        <p:spPr/>
+        <p:txBody>
+          <a:bodyPr/>
+          <a:lstStyle/>
+          <a:p>
+            <a:endParaRPr lang="es-MX"/>
+          </a:p>
+        </p:txBody>
+      </p:sp>
+      <p:pic>
+        <p:nvPicPr>
+          <p:cNvPr id="5" name="Imagen 4"/>
+          <p:cNvPicPr>
+            <a:picLocks noChangeAspect="1"/>
+          </p:cNvPicPr>
+          <p:nvPr/>
+        </p:nvPicPr>
+        <p:blipFill>
+          <a:blip r:embed="rId2"/>
+          <a:stretch>
+            <a:fillRect/>
+          </a:stretch>
+        </p:blipFill>
+        <p:spPr>
+          <a:xfrm>
+            <a:off x="391395" y="105833"/>
+            <a:ext cx="11409210" cy="6646333"/>
+          </a:xfrm>
+          <a:prstGeom prst="rect">
+            <a:avLst/>
+          </a:prstGeom>
+        </p:spPr>
+      </p:pic>
+    </p:spTree>
+    <p:extLst>
+      <p:ext uri="{BB962C8B-B14F-4D97-AF65-F5344CB8AC3E}">
+        <p14:creationId xmlns:p14="http://schemas.microsoft.com/office/powerpoint/2010/main" val="736869859"/>
       </p:ext>
     </p:extLst>
   </p:cSld>
@@ -3083,10 +4297,10 @@
           <a:lstStyle/>
           <a:p>
             <a:r>
-              <a:rPr lang="es-MX" dirty="0" smtClean="0"/>
+              <a:rPr lang="es-MX" b="1" dirty="0" smtClean="0"/>
               <a:t>Objetivos de la Clase</a:t>
             </a:r>
-            <a:endParaRPr lang="es-MX" dirty="0"/>
+            <a:endParaRPr lang="es-MX" b="1" dirty="0"/>
           </a:p>
         </p:txBody>
       </p:sp>
@@ -3106,23 +4320,47 @@
           <a:lstStyle/>
           <a:p>
             <a:r>
-              <a:rPr lang="es-ES_tradnl" smtClean="0"/>
-              <a:t>Fuentes </a:t>
+              <a:rPr lang="es-ES_tradnl" dirty="0" smtClean="0"/>
+              <a:t>Identificar cuáles son las </a:t>
+            </a:r>
+            <a:r>
+              <a:rPr lang="es-ES_tradnl" b="1" dirty="0" smtClean="0"/>
+              <a:t>f</a:t>
+            </a:r>
+            <a:r>
+              <a:rPr lang="es-ES_tradnl" b="1" dirty="0" smtClean="0"/>
+              <a:t>uentes </a:t>
+            </a:r>
+            <a:r>
+              <a:rPr lang="es-ES_tradnl" b="1" dirty="0"/>
+              <a:t>de </a:t>
+            </a:r>
+            <a:r>
+              <a:rPr lang="es-ES_tradnl" b="1" dirty="0" smtClean="0"/>
+              <a:t>información </a:t>
+            </a:r>
+            <a:r>
+              <a:rPr lang="es-ES_tradnl" b="1" u="sng" dirty="0" smtClean="0"/>
+              <a:t>confiable</a:t>
+            </a:r>
+            <a:endParaRPr lang="es-MX" b="1" u="sng" dirty="0"/>
+          </a:p>
+          <a:p>
+            <a:r>
+              <a:rPr lang="es-ES_tradnl" dirty="0" smtClean="0"/>
+              <a:t>Conocer qué</a:t>
+            </a:r>
+            <a:r>
+              <a:rPr lang="es-ES_tradnl" b="1" dirty="0" smtClean="0"/>
+              <a:t> herramientas</a:t>
+            </a:r>
+            <a:r>
+              <a:rPr lang="es-ES_tradnl" dirty="0" smtClean="0"/>
+              <a:t> están disponibles </a:t>
             </a:r>
             <a:r>
               <a:rPr lang="es-ES_tradnl" dirty="0"/>
-              <a:t>de información confiables</a:t>
-            </a:r>
-            <a:endParaRPr lang="es-MX" dirty="0"/>
-          </a:p>
-          <a:p>
-            <a:r>
-              <a:rPr lang="es-ES_tradnl" dirty="0" smtClean="0"/>
-              <a:t>Herramientas </a:t>
-            </a:r>
-            <a:r>
-              <a:rPr lang="es-ES_tradnl" dirty="0"/>
-              <a:t>disponibles para la búsqueda de información.</a:t>
+              <a:t>para la búsqueda de información.</a:t>
             </a:r>
             <a:endParaRPr lang="es-MX" dirty="0"/>
           </a:p>
@@ -3131,6 +4369,82 @@
               <a:buNone/>
             </a:pPr>
             <a:endParaRPr lang="es-MX" dirty="0"/>
+          </a:p>
+        </p:txBody>
+      </p:sp>
+      <p:sp>
+        <p:nvSpPr>
+          <p:cNvPr id="4" name="Rectángulo 3"/>
+          <p:cNvSpPr/>
+          <p:nvPr/>
+        </p:nvSpPr>
+        <p:spPr>
+          <a:xfrm>
+            <a:off x="0" y="0"/>
+            <a:ext cx="12192000" cy="550333"/>
+          </a:xfrm>
+          <a:prstGeom prst="rect">
+            <a:avLst/>
+          </a:prstGeom>
+        </p:spPr>
+        <p:style>
+          <a:lnRef idx="0">
+            <a:schemeClr val="accent1"/>
+          </a:lnRef>
+          <a:fillRef idx="3">
+            <a:schemeClr val="accent1"/>
+          </a:fillRef>
+          <a:effectRef idx="3">
+            <a:schemeClr val="accent1"/>
+          </a:effectRef>
+          <a:fontRef idx="minor">
+            <a:schemeClr val="lt1"/>
+          </a:fontRef>
+        </p:style>
+        <p:txBody>
+          <a:bodyPr rtlCol="0" anchor="ctr"/>
+          <a:lstStyle/>
+          <a:p>
+            <a:pPr algn="ctr"/>
+            <a:endParaRPr lang="es-MX"/>
+          </a:p>
+        </p:txBody>
+      </p:sp>
+      <p:sp>
+        <p:nvSpPr>
+          <p:cNvPr id="5" name="Rectángulo 4"/>
+          <p:cNvSpPr/>
+          <p:nvPr/>
+        </p:nvSpPr>
+        <p:spPr>
+          <a:xfrm>
+            <a:off x="0" y="5808133"/>
+            <a:ext cx="12192000" cy="1049867"/>
+          </a:xfrm>
+          <a:prstGeom prst="rect">
+            <a:avLst/>
+          </a:prstGeom>
+        </p:spPr>
+        <p:style>
+          <a:lnRef idx="0">
+            <a:schemeClr val="accent1"/>
+          </a:lnRef>
+          <a:fillRef idx="3">
+            <a:schemeClr val="accent1"/>
+          </a:fillRef>
+          <a:effectRef idx="3">
+            <a:schemeClr val="accent1"/>
+          </a:effectRef>
+          <a:fontRef idx="minor">
+            <a:schemeClr val="lt1"/>
+          </a:fontRef>
+        </p:style>
+        <p:txBody>
+          <a:bodyPr rtlCol="0" anchor="ctr"/>
+          <a:lstStyle/>
+          <a:p>
+            <a:pPr algn="ctr"/>
+            <a:endParaRPr lang="es-MX"/>
           </a:p>
         </p:txBody>
       </p:sp>
@@ -3138,6 +4452,1166 @@
     <p:extLst>
       <p:ext uri="{BB962C8B-B14F-4D97-AF65-F5344CB8AC3E}">
         <p14:creationId xmlns:p14="http://schemas.microsoft.com/office/powerpoint/2010/main" val="2040012876"/>
+      </p:ext>
+    </p:extLst>
+  </p:cSld>
+  <p:clrMapOvr>
+    <a:masterClrMapping/>
+  </p:clrMapOvr>
+</p:sld>
+</file>
+
+<file path=ppt/slides/slide3.xml><?xml version="1.0" encoding="utf-8"?>
+<p:sld xmlns:a="http://schemas.openxmlformats.org/drawingml/2006/main" xmlns:r="http://schemas.openxmlformats.org/officeDocument/2006/relationships" xmlns:p="http://schemas.openxmlformats.org/presentationml/2006/main">
+  <p:cSld>
+    <p:spTree>
+      <p:nvGrpSpPr>
+        <p:cNvPr id="1" name=""/>
+        <p:cNvGrpSpPr/>
+        <p:nvPr/>
+      </p:nvGrpSpPr>
+      <p:grpSpPr>
+        <a:xfrm>
+          <a:off x="0" y="0"/>
+          <a:ext cx="0" cy="0"/>
+          <a:chOff x="0" y="0"/>
+          <a:chExt cx="0" cy="0"/>
+        </a:xfrm>
+      </p:grpSpPr>
+      <p:sp>
+        <p:nvSpPr>
+          <p:cNvPr id="2" name="Título 1"/>
+          <p:cNvSpPr>
+            <a:spLocks noGrp="1"/>
+          </p:cNvSpPr>
+          <p:nvPr>
+            <p:ph type="title"/>
+          </p:nvPr>
+        </p:nvSpPr>
+        <p:spPr/>
+        <p:txBody>
+          <a:bodyPr/>
+          <a:lstStyle/>
+          <a:p>
+            <a:r>
+              <a:rPr lang="es-MX" dirty="0" smtClean="0"/>
+              <a:t>Fuente de información </a:t>
+            </a:r>
+            <a:r>
+              <a:rPr lang="es-MX" b="1" dirty="0" smtClean="0"/>
+              <a:t>confiable</a:t>
+            </a:r>
+            <a:endParaRPr lang="es-MX" dirty="0"/>
+          </a:p>
+        </p:txBody>
+      </p:sp>
+      <p:sp>
+        <p:nvSpPr>
+          <p:cNvPr id="3" name="Marcador de contenido 2"/>
+          <p:cNvSpPr>
+            <a:spLocks noGrp="1"/>
+          </p:cNvSpPr>
+          <p:nvPr>
+            <p:ph idx="1"/>
+          </p:nvPr>
+        </p:nvSpPr>
+        <p:spPr>
+          <a:xfrm>
+            <a:off x="270933" y="1573742"/>
+            <a:ext cx="11921067" cy="4351338"/>
+          </a:xfrm>
+        </p:spPr>
+        <p:txBody>
+          <a:bodyPr/>
+          <a:lstStyle/>
+          <a:p>
+            <a:r>
+              <a:rPr lang="es-MX" dirty="0" smtClean="0"/>
+              <a:t>Por default:</a:t>
+            </a:r>
+          </a:p>
+          <a:p>
+            <a:pPr lvl="1"/>
+            <a:r>
+              <a:rPr lang="es-MX" dirty="0" smtClean="0"/>
+              <a:t>Libros de texto  o divulgación científica</a:t>
+            </a:r>
+          </a:p>
+          <a:p>
+            <a:pPr lvl="1"/>
+            <a:r>
+              <a:rPr lang="es-MX" dirty="0" smtClean="0"/>
+              <a:t>Libros especializados</a:t>
+            </a:r>
+          </a:p>
+          <a:p>
+            <a:pPr lvl="1"/>
+            <a:r>
+              <a:rPr lang="es-MX" dirty="0" smtClean="0"/>
+              <a:t>Artículos de investigación publicados en alguna revista especializada</a:t>
+            </a:r>
+          </a:p>
+          <a:p>
+            <a:pPr lvl="1"/>
+            <a:r>
+              <a:rPr lang="es-MX" dirty="0" smtClean="0"/>
+              <a:t>Tesis </a:t>
+            </a:r>
+          </a:p>
+        </p:txBody>
+      </p:sp>
+      <p:sp>
+        <p:nvSpPr>
+          <p:cNvPr id="4" name="Rectángulo 3"/>
+          <p:cNvSpPr/>
+          <p:nvPr/>
+        </p:nvSpPr>
+        <p:spPr>
+          <a:xfrm>
+            <a:off x="0" y="0"/>
+            <a:ext cx="12192000" cy="550333"/>
+          </a:xfrm>
+          <a:prstGeom prst="rect">
+            <a:avLst/>
+          </a:prstGeom>
+        </p:spPr>
+        <p:style>
+          <a:lnRef idx="0">
+            <a:schemeClr val="accent1"/>
+          </a:lnRef>
+          <a:fillRef idx="3">
+            <a:schemeClr val="accent1"/>
+          </a:fillRef>
+          <a:effectRef idx="3">
+            <a:schemeClr val="accent1"/>
+          </a:effectRef>
+          <a:fontRef idx="minor">
+            <a:schemeClr val="lt1"/>
+          </a:fontRef>
+        </p:style>
+        <p:txBody>
+          <a:bodyPr rtlCol="0" anchor="ctr"/>
+          <a:lstStyle/>
+          <a:p>
+            <a:pPr algn="ctr"/>
+            <a:endParaRPr lang="es-MX"/>
+          </a:p>
+        </p:txBody>
+      </p:sp>
+      <p:sp>
+        <p:nvSpPr>
+          <p:cNvPr id="5" name="Rectángulo 4"/>
+          <p:cNvSpPr/>
+          <p:nvPr/>
+        </p:nvSpPr>
+        <p:spPr>
+          <a:xfrm>
+            <a:off x="0" y="5808133"/>
+            <a:ext cx="12192000" cy="1049867"/>
+          </a:xfrm>
+          <a:prstGeom prst="rect">
+            <a:avLst/>
+          </a:prstGeom>
+        </p:spPr>
+        <p:style>
+          <a:lnRef idx="0">
+            <a:schemeClr val="accent1"/>
+          </a:lnRef>
+          <a:fillRef idx="3">
+            <a:schemeClr val="accent1"/>
+          </a:fillRef>
+          <a:effectRef idx="3">
+            <a:schemeClr val="accent1"/>
+          </a:effectRef>
+          <a:fontRef idx="minor">
+            <a:schemeClr val="lt1"/>
+          </a:fontRef>
+        </p:style>
+        <p:txBody>
+          <a:bodyPr rtlCol="0" anchor="ctr"/>
+          <a:lstStyle/>
+          <a:p>
+            <a:pPr algn="ctr"/>
+            <a:endParaRPr lang="es-MX"/>
+          </a:p>
+        </p:txBody>
+      </p:sp>
+    </p:spTree>
+    <p:extLst>
+      <p:ext uri="{BB962C8B-B14F-4D97-AF65-F5344CB8AC3E}">
+        <p14:creationId xmlns:p14="http://schemas.microsoft.com/office/powerpoint/2010/main" val="1253525524"/>
+      </p:ext>
+    </p:extLst>
+  </p:cSld>
+  <p:clrMapOvr>
+    <a:masterClrMapping/>
+  </p:clrMapOvr>
+</p:sld>
+</file>
+
+<file path=ppt/slides/slide4.xml><?xml version="1.0" encoding="utf-8"?>
+<p:sld xmlns:a="http://schemas.openxmlformats.org/drawingml/2006/main" xmlns:r="http://schemas.openxmlformats.org/officeDocument/2006/relationships" xmlns:p="http://schemas.openxmlformats.org/presentationml/2006/main">
+  <p:cSld>
+    <p:spTree>
+      <p:nvGrpSpPr>
+        <p:cNvPr id="1" name=""/>
+        <p:cNvGrpSpPr/>
+        <p:nvPr/>
+      </p:nvGrpSpPr>
+      <p:grpSpPr>
+        <a:xfrm>
+          <a:off x="0" y="0"/>
+          <a:ext cx="0" cy="0"/>
+          <a:chOff x="0" y="0"/>
+          <a:chExt cx="0" cy="0"/>
+        </a:xfrm>
+      </p:grpSpPr>
+      <p:sp>
+        <p:nvSpPr>
+          <p:cNvPr id="2" name="Título 1"/>
+          <p:cNvSpPr>
+            <a:spLocks noGrp="1"/>
+          </p:cNvSpPr>
+          <p:nvPr>
+            <p:ph type="title"/>
+          </p:nvPr>
+        </p:nvSpPr>
+        <p:spPr/>
+        <p:txBody>
+          <a:bodyPr/>
+          <a:lstStyle/>
+          <a:p>
+            <a:r>
+              <a:rPr lang="es-MX" dirty="0" smtClean="0"/>
+              <a:t>Fuente de información </a:t>
+            </a:r>
+            <a:r>
+              <a:rPr lang="es-MX" b="1" dirty="0" smtClean="0"/>
+              <a:t>confiable</a:t>
+            </a:r>
+            <a:endParaRPr lang="es-MX" dirty="0"/>
+          </a:p>
+        </p:txBody>
+      </p:sp>
+      <p:sp>
+        <p:nvSpPr>
+          <p:cNvPr id="3" name="Marcador de contenido 2"/>
+          <p:cNvSpPr>
+            <a:spLocks noGrp="1"/>
+          </p:cNvSpPr>
+          <p:nvPr>
+            <p:ph idx="1"/>
+          </p:nvPr>
+        </p:nvSpPr>
+        <p:spPr>
+          <a:xfrm>
+            <a:off x="270933" y="1573742"/>
+            <a:ext cx="11921067" cy="4351338"/>
+          </a:xfrm>
+        </p:spPr>
+        <p:txBody>
+          <a:bodyPr/>
+          <a:lstStyle/>
+          <a:p>
+            <a:r>
+              <a:rPr lang="es-MX" dirty="0" smtClean="0"/>
+              <a:t>Páginas de internet certificadas</a:t>
+            </a:r>
+          </a:p>
+          <a:p>
+            <a:pPr lvl="1"/>
+            <a:r>
+              <a:rPr lang="es-MX" dirty="0" smtClean="0"/>
+              <a:t>Organizaciones internacionales, Institutos, Secretarías o Dependencias Gubernamentales. </a:t>
+            </a:r>
+          </a:p>
+          <a:p>
+            <a:pPr lvl="1"/>
+            <a:r>
+              <a:rPr lang="es-MX" dirty="0" smtClean="0"/>
+              <a:t>Noticieros, periódicos y revistas especializadas</a:t>
+            </a:r>
+          </a:p>
+          <a:p>
+            <a:pPr lvl="2"/>
+            <a:endParaRPr lang="es-MX" dirty="0" smtClean="0"/>
+          </a:p>
+          <a:p>
+            <a:pPr lvl="1"/>
+            <a:endParaRPr lang="es-MX" dirty="0"/>
+          </a:p>
+        </p:txBody>
+      </p:sp>
+      <p:sp>
+        <p:nvSpPr>
+          <p:cNvPr id="4" name="Rectángulo 3"/>
+          <p:cNvSpPr/>
+          <p:nvPr/>
+        </p:nvSpPr>
+        <p:spPr>
+          <a:xfrm>
+            <a:off x="0" y="0"/>
+            <a:ext cx="12192000" cy="550333"/>
+          </a:xfrm>
+          <a:prstGeom prst="rect">
+            <a:avLst/>
+          </a:prstGeom>
+        </p:spPr>
+        <p:style>
+          <a:lnRef idx="0">
+            <a:schemeClr val="accent1"/>
+          </a:lnRef>
+          <a:fillRef idx="3">
+            <a:schemeClr val="accent1"/>
+          </a:fillRef>
+          <a:effectRef idx="3">
+            <a:schemeClr val="accent1"/>
+          </a:effectRef>
+          <a:fontRef idx="minor">
+            <a:schemeClr val="lt1"/>
+          </a:fontRef>
+        </p:style>
+        <p:txBody>
+          <a:bodyPr rtlCol="0" anchor="ctr"/>
+          <a:lstStyle/>
+          <a:p>
+            <a:pPr algn="ctr"/>
+            <a:endParaRPr lang="es-MX"/>
+          </a:p>
+        </p:txBody>
+      </p:sp>
+      <p:sp>
+        <p:nvSpPr>
+          <p:cNvPr id="5" name="Rectángulo 4"/>
+          <p:cNvSpPr/>
+          <p:nvPr/>
+        </p:nvSpPr>
+        <p:spPr>
+          <a:xfrm>
+            <a:off x="0" y="5808133"/>
+            <a:ext cx="12192000" cy="1049867"/>
+          </a:xfrm>
+          <a:prstGeom prst="rect">
+            <a:avLst/>
+          </a:prstGeom>
+        </p:spPr>
+        <p:style>
+          <a:lnRef idx="0">
+            <a:schemeClr val="accent1"/>
+          </a:lnRef>
+          <a:fillRef idx="3">
+            <a:schemeClr val="accent1"/>
+          </a:fillRef>
+          <a:effectRef idx="3">
+            <a:schemeClr val="accent1"/>
+          </a:effectRef>
+          <a:fontRef idx="minor">
+            <a:schemeClr val="lt1"/>
+          </a:fontRef>
+        </p:style>
+        <p:txBody>
+          <a:bodyPr rtlCol="0" anchor="ctr"/>
+          <a:lstStyle/>
+          <a:p>
+            <a:pPr algn="ctr"/>
+            <a:endParaRPr lang="es-MX"/>
+          </a:p>
+        </p:txBody>
+      </p:sp>
+    </p:spTree>
+    <p:extLst>
+      <p:ext uri="{BB962C8B-B14F-4D97-AF65-F5344CB8AC3E}">
+        <p14:creationId xmlns:p14="http://schemas.microsoft.com/office/powerpoint/2010/main" val="260061197"/>
+      </p:ext>
+    </p:extLst>
+  </p:cSld>
+  <p:clrMapOvr>
+    <a:masterClrMapping/>
+  </p:clrMapOvr>
+</p:sld>
+</file>
+
+<file path=ppt/slides/slide5.xml><?xml version="1.0" encoding="utf-8"?>
+<p:sld xmlns:a="http://schemas.openxmlformats.org/drawingml/2006/main" xmlns:r="http://schemas.openxmlformats.org/officeDocument/2006/relationships" xmlns:p="http://schemas.openxmlformats.org/presentationml/2006/main">
+  <p:cSld>
+    <p:spTree>
+      <p:nvGrpSpPr>
+        <p:cNvPr id="1" name=""/>
+        <p:cNvGrpSpPr/>
+        <p:nvPr/>
+      </p:nvGrpSpPr>
+      <p:grpSpPr>
+        <a:xfrm>
+          <a:off x="0" y="0"/>
+          <a:ext cx="0" cy="0"/>
+          <a:chOff x="0" y="0"/>
+          <a:chExt cx="0" cy="0"/>
+        </a:xfrm>
+      </p:grpSpPr>
+      <p:sp>
+        <p:nvSpPr>
+          <p:cNvPr id="7" name="Rectángulo 6"/>
+          <p:cNvSpPr/>
+          <p:nvPr/>
+        </p:nvSpPr>
+        <p:spPr>
+          <a:xfrm>
+            <a:off x="-4374" y="-12434"/>
+            <a:ext cx="12196374" cy="6870434"/>
+          </a:xfrm>
+          <a:prstGeom prst="rect">
+            <a:avLst/>
+          </a:prstGeom>
+          <a:solidFill>
+            <a:schemeClr val="accent1">
+              <a:lumMod val="20000"/>
+              <a:lumOff val="80000"/>
+            </a:schemeClr>
+          </a:solidFill>
+          <a:ln>
+            <a:solidFill>
+              <a:schemeClr val="bg2">
+                <a:lumMod val="10000"/>
+              </a:schemeClr>
+            </a:solidFill>
+          </a:ln>
+        </p:spPr>
+        <p:style>
+          <a:lnRef idx="2">
+            <a:schemeClr val="accent1">
+              <a:shade val="50000"/>
+            </a:schemeClr>
+          </a:lnRef>
+          <a:fillRef idx="1">
+            <a:schemeClr val="accent1"/>
+          </a:fillRef>
+          <a:effectRef idx="0">
+            <a:schemeClr val="accent1"/>
+          </a:effectRef>
+          <a:fontRef idx="minor">
+            <a:schemeClr val="lt1"/>
+          </a:fontRef>
+        </p:style>
+        <p:txBody>
+          <a:bodyPr rtlCol="0" anchor="ctr"/>
+          <a:lstStyle/>
+          <a:p>
+            <a:pPr algn="ctr"/>
+            <a:endParaRPr lang="es-MX"/>
+          </a:p>
+        </p:txBody>
+      </p:sp>
+      <p:sp>
+        <p:nvSpPr>
+          <p:cNvPr id="2" name="Título 1"/>
+          <p:cNvSpPr>
+            <a:spLocks noGrp="1"/>
+          </p:cNvSpPr>
+          <p:nvPr>
+            <p:ph type="title"/>
+          </p:nvPr>
+        </p:nvSpPr>
+        <p:spPr/>
+        <p:txBody>
+          <a:bodyPr/>
+          <a:lstStyle/>
+          <a:p>
+            <a:r>
+              <a:rPr lang="es-MX" dirty="0" smtClean="0"/>
+              <a:t/>
+            </a:r>
+            <a:br>
+              <a:rPr lang="es-MX" dirty="0" smtClean="0"/>
+            </a:br>
+            <a:endParaRPr lang="es-MX" dirty="0"/>
+          </a:p>
+        </p:txBody>
+      </p:sp>
+      <p:sp>
+        <p:nvSpPr>
+          <p:cNvPr id="3" name="Marcador de contenido 2"/>
+          <p:cNvSpPr>
+            <a:spLocks noGrp="1"/>
+          </p:cNvSpPr>
+          <p:nvPr>
+            <p:ph idx="1"/>
+          </p:nvPr>
+        </p:nvSpPr>
+        <p:spPr/>
+        <p:txBody>
+          <a:bodyPr/>
+          <a:lstStyle/>
+          <a:p>
+            <a:endParaRPr lang="es-MX" dirty="0" smtClean="0"/>
+          </a:p>
+          <a:p>
+            <a:endParaRPr lang="es-MX" dirty="0"/>
+          </a:p>
+        </p:txBody>
+      </p:sp>
+      <p:pic>
+        <p:nvPicPr>
+          <p:cNvPr id="4" name="Imagen 3"/>
+          <p:cNvPicPr>
+            <a:picLocks noChangeAspect="1"/>
+          </p:cNvPicPr>
+          <p:nvPr/>
+        </p:nvPicPr>
+        <p:blipFill>
+          <a:blip r:embed="rId2"/>
+          <a:stretch>
+            <a:fillRect/>
+          </a:stretch>
+        </p:blipFill>
+        <p:spPr>
+          <a:xfrm>
+            <a:off x="0" y="0"/>
+            <a:ext cx="6045448" cy="3860800"/>
+          </a:xfrm>
+          <a:prstGeom prst="rect">
+            <a:avLst/>
+          </a:prstGeom>
+          <a:ln>
+            <a:solidFill>
+              <a:schemeClr val="bg2">
+                <a:lumMod val="10000"/>
+              </a:schemeClr>
+            </a:solidFill>
+          </a:ln>
+        </p:spPr>
+      </p:pic>
+      <p:pic>
+        <p:nvPicPr>
+          <p:cNvPr id="5" name="Imagen 4"/>
+          <p:cNvPicPr>
+            <a:picLocks noChangeAspect="1"/>
+          </p:cNvPicPr>
+          <p:nvPr/>
+        </p:nvPicPr>
+        <p:blipFill>
+          <a:blip r:embed="rId3"/>
+          <a:stretch>
+            <a:fillRect/>
+          </a:stretch>
+        </p:blipFill>
+        <p:spPr>
+          <a:xfrm>
+            <a:off x="6049822" y="1703122"/>
+            <a:ext cx="6142178" cy="3023659"/>
+          </a:xfrm>
+          <a:prstGeom prst="rect">
+            <a:avLst/>
+          </a:prstGeom>
+          <a:ln>
+            <a:solidFill>
+              <a:schemeClr val="bg2">
+                <a:lumMod val="10000"/>
+              </a:schemeClr>
+            </a:solidFill>
+          </a:ln>
+        </p:spPr>
+      </p:pic>
+      <p:pic>
+        <p:nvPicPr>
+          <p:cNvPr id="6" name="Imagen 5"/>
+          <p:cNvPicPr>
+            <a:picLocks noChangeAspect="1"/>
+          </p:cNvPicPr>
+          <p:nvPr/>
+        </p:nvPicPr>
+        <p:blipFill>
+          <a:blip r:embed="rId4"/>
+          <a:stretch>
+            <a:fillRect/>
+          </a:stretch>
+        </p:blipFill>
+        <p:spPr>
+          <a:xfrm>
+            <a:off x="0" y="4726781"/>
+            <a:ext cx="6858000" cy="2131219"/>
+          </a:xfrm>
+          <a:prstGeom prst="rect">
+            <a:avLst/>
+          </a:prstGeom>
+          <a:ln>
+            <a:solidFill>
+              <a:schemeClr val="bg2">
+                <a:lumMod val="10000"/>
+              </a:schemeClr>
+            </a:solidFill>
+          </a:ln>
+        </p:spPr>
+      </p:pic>
+    </p:spTree>
+    <p:extLst>
+      <p:ext uri="{BB962C8B-B14F-4D97-AF65-F5344CB8AC3E}">
+        <p14:creationId xmlns:p14="http://schemas.microsoft.com/office/powerpoint/2010/main" val="1079087982"/>
+      </p:ext>
+    </p:extLst>
+  </p:cSld>
+  <p:clrMapOvr>
+    <a:masterClrMapping/>
+  </p:clrMapOvr>
+</p:sld>
+</file>
+
+<file path=ppt/slides/slide6.xml><?xml version="1.0" encoding="utf-8"?>
+<p:sld xmlns:a="http://schemas.openxmlformats.org/drawingml/2006/main" xmlns:r="http://schemas.openxmlformats.org/officeDocument/2006/relationships" xmlns:p="http://schemas.openxmlformats.org/presentationml/2006/main">
+  <p:cSld>
+    <p:spTree>
+      <p:nvGrpSpPr>
+        <p:cNvPr id="1" name=""/>
+        <p:cNvGrpSpPr/>
+        <p:nvPr/>
+      </p:nvGrpSpPr>
+      <p:grpSpPr>
+        <a:xfrm>
+          <a:off x="0" y="0"/>
+          <a:ext cx="0" cy="0"/>
+          <a:chOff x="0" y="0"/>
+          <a:chExt cx="0" cy="0"/>
+        </a:xfrm>
+      </p:grpSpPr>
+      <p:sp>
+        <p:nvSpPr>
+          <p:cNvPr id="2" name="Título 1"/>
+          <p:cNvSpPr>
+            <a:spLocks noGrp="1"/>
+          </p:cNvSpPr>
+          <p:nvPr>
+            <p:ph type="title"/>
+          </p:nvPr>
+        </p:nvSpPr>
+        <p:spPr/>
+        <p:txBody>
+          <a:bodyPr/>
+          <a:lstStyle/>
+          <a:p>
+            <a:r>
+              <a:rPr lang="es-MX" dirty="0" smtClean="0"/>
+              <a:t>Fuente de información </a:t>
+            </a:r>
+            <a:r>
+              <a:rPr lang="es-MX" b="1" dirty="0" smtClean="0"/>
+              <a:t>confiable</a:t>
+            </a:r>
+            <a:endParaRPr lang="es-MX" dirty="0"/>
+          </a:p>
+        </p:txBody>
+      </p:sp>
+      <p:sp>
+        <p:nvSpPr>
+          <p:cNvPr id="3" name="Marcador de contenido 2"/>
+          <p:cNvSpPr>
+            <a:spLocks noGrp="1"/>
+          </p:cNvSpPr>
+          <p:nvPr>
+            <p:ph idx="1"/>
+          </p:nvPr>
+        </p:nvSpPr>
+        <p:spPr>
+          <a:xfrm>
+            <a:off x="355600" y="1573742"/>
+            <a:ext cx="10515600" cy="4351338"/>
+          </a:xfrm>
+        </p:spPr>
+        <p:txBody>
+          <a:bodyPr/>
+          <a:lstStyle/>
+          <a:p>
+            <a:r>
+              <a:rPr lang="es-MX" dirty="0" smtClean="0"/>
+              <a:t>Especifica sus propias fuentes de información</a:t>
+            </a:r>
+          </a:p>
+          <a:p>
+            <a:pPr lvl="1"/>
+            <a:r>
+              <a:rPr lang="es-MX" dirty="0" smtClean="0"/>
+              <a:t>Especifica autores, años o algún referente para localizar la fuente original</a:t>
+            </a:r>
+          </a:p>
+          <a:p>
+            <a:endParaRPr lang="es-MX" dirty="0" smtClean="0"/>
+          </a:p>
+          <a:p>
+            <a:r>
+              <a:rPr lang="es-MX" dirty="0" smtClean="0"/>
+              <a:t>Cuenta con un autor y fecha de publicación</a:t>
+            </a:r>
+          </a:p>
+          <a:p>
+            <a:endParaRPr lang="es-MX" dirty="0"/>
+          </a:p>
+          <a:p>
+            <a:r>
+              <a:rPr lang="es-MX" dirty="0" smtClean="0"/>
+              <a:t>Evaluación a criterio de</a:t>
+            </a:r>
+          </a:p>
+          <a:p>
+            <a:pPr lvl="1"/>
+            <a:r>
+              <a:rPr lang="es-MX" dirty="0" smtClean="0"/>
+              <a:t>El nombre del sitio web</a:t>
+            </a:r>
+          </a:p>
+          <a:p>
+            <a:pPr lvl="1"/>
+            <a:r>
+              <a:rPr lang="es-MX" dirty="0" smtClean="0"/>
+              <a:t>Las credenciales y/o el conocimiento que el autor manifiesta tener sobre el tema</a:t>
+            </a:r>
+          </a:p>
+          <a:p>
+            <a:pPr lvl="1"/>
+            <a:endParaRPr lang="es-MX" dirty="0"/>
+          </a:p>
+          <a:p>
+            <a:endParaRPr lang="es-MX" dirty="0"/>
+          </a:p>
+        </p:txBody>
+      </p:sp>
+      <p:sp>
+        <p:nvSpPr>
+          <p:cNvPr id="4" name="Rectángulo 3"/>
+          <p:cNvSpPr/>
+          <p:nvPr/>
+        </p:nvSpPr>
+        <p:spPr>
+          <a:xfrm>
+            <a:off x="0" y="0"/>
+            <a:ext cx="12192000" cy="550333"/>
+          </a:xfrm>
+          <a:prstGeom prst="rect">
+            <a:avLst/>
+          </a:prstGeom>
+        </p:spPr>
+        <p:style>
+          <a:lnRef idx="0">
+            <a:schemeClr val="accent1"/>
+          </a:lnRef>
+          <a:fillRef idx="3">
+            <a:schemeClr val="accent1"/>
+          </a:fillRef>
+          <a:effectRef idx="3">
+            <a:schemeClr val="accent1"/>
+          </a:effectRef>
+          <a:fontRef idx="minor">
+            <a:schemeClr val="lt1"/>
+          </a:fontRef>
+        </p:style>
+        <p:txBody>
+          <a:bodyPr rtlCol="0" anchor="ctr"/>
+          <a:lstStyle/>
+          <a:p>
+            <a:pPr algn="ctr"/>
+            <a:endParaRPr lang="es-MX"/>
+          </a:p>
+        </p:txBody>
+      </p:sp>
+      <p:sp>
+        <p:nvSpPr>
+          <p:cNvPr id="5" name="Rectángulo 4"/>
+          <p:cNvSpPr/>
+          <p:nvPr/>
+        </p:nvSpPr>
+        <p:spPr>
+          <a:xfrm>
+            <a:off x="0" y="5808133"/>
+            <a:ext cx="12192000" cy="1049867"/>
+          </a:xfrm>
+          <a:prstGeom prst="rect">
+            <a:avLst/>
+          </a:prstGeom>
+        </p:spPr>
+        <p:style>
+          <a:lnRef idx="0">
+            <a:schemeClr val="accent1"/>
+          </a:lnRef>
+          <a:fillRef idx="3">
+            <a:schemeClr val="accent1"/>
+          </a:fillRef>
+          <a:effectRef idx="3">
+            <a:schemeClr val="accent1"/>
+          </a:effectRef>
+          <a:fontRef idx="minor">
+            <a:schemeClr val="lt1"/>
+          </a:fontRef>
+        </p:style>
+        <p:txBody>
+          <a:bodyPr rtlCol="0" anchor="ctr"/>
+          <a:lstStyle/>
+          <a:p>
+            <a:pPr algn="ctr"/>
+            <a:endParaRPr lang="es-MX"/>
+          </a:p>
+        </p:txBody>
+      </p:sp>
+    </p:spTree>
+    <p:extLst>
+      <p:ext uri="{BB962C8B-B14F-4D97-AF65-F5344CB8AC3E}">
+        <p14:creationId xmlns:p14="http://schemas.microsoft.com/office/powerpoint/2010/main" val="3027849031"/>
+      </p:ext>
+    </p:extLst>
+  </p:cSld>
+  <p:clrMapOvr>
+    <a:masterClrMapping/>
+  </p:clrMapOvr>
+</p:sld>
+</file>
+
+<file path=ppt/slides/slide7.xml><?xml version="1.0" encoding="utf-8"?>
+<p:sld xmlns:a="http://schemas.openxmlformats.org/drawingml/2006/main" xmlns:r="http://schemas.openxmlformats.org/officeDocument/2006/relationships" xmlns:p="http://schemas.openxmlformats.org/presentationml/2006/main">
+  <p:cSld>
+    <p:spTree>
+      <p:nvGrpSpPr>
+        <p:cNvPr id="1" name=""/>
+        <p:cNvGrpSpPr/>
+        <p:nvPr/>
+      </p:nvGrpSpPr>
+      <p:grpSpPr>
+        <a:xfrm>
+          <a:off x="0" y="0"/>
+          <a:ext cx="0" cy="0"/>
+          <a:chOff x="0" y="0"/>
+          <a:chExt cx="0" cy="0"/>
+        </a:xfrm>
+      </p:grpSpPr>
+      <p:sp>
+        <p:nvSpPr>
+          <p:cNvPr id="2" name="Título 1"/>
+          <p:cNvSpPr>
+            <a:spLocks noGrp="1"/>
+          </p:cNvSpPr>
+          <p:nvPr>
+            <p:ph type="title"/>
+          </p:nvPr>
+        </p:nvSpPr>
+        <p:spPr/>
+        <p:txBody>
+          <a:bodyPr/>
+          <a:lstStyle/>
+          <a:p>
+            <a:endParaRPr lang="es-MX"/>
+          </a:p>
+        </p:txBody>
+      </p:sp>
+      <p:sp>
+        <p:nvSpPr>
+          <p:cNvPr id="3" name="Marcador de contenido 2"/>
+          <p:cNvSpPr>
+            <a:spLocks noGrp="1"/>
+          </p:cNvSpPr>
+          <p:nvPr>
+            <p:ph idx="1"/>
+          </p:nvPr>
+        </p:nvSpPr>
+        <p:spPr/>
+        <p:txBody>
+          <a:bodyPr/>
+          <a:lstStyle/>
+          <a:p>
+            <a:endParaRPr lang="es-MX"/>
+          </a:p>
+        </p:txBody>
+      </p:sp>
+      <p:pic>
+        <p:nvPicPr>
+          <p:cNvPr id="4" name="Imagen 3"/>
+          <p:cNvPicPr>
+            <a:picLocks noChangeAspect="1"/>
+          </p:cNvPicPr>
+          <p:nvPr/>
+        </p:nvPicPr>
+        <p:blipFill>
+          <a:blip r:embed="rId2"/>
+          <a:stretch>
+            <a:fillRect/>
+          </a:stretch>
+        </p:blipFill>
+        <p:spPr>
+          <a:xfrm>
+            <a:off x="838200" y="694267"/>
+            <a:ext cx="10519243" cy="4681537"/>
+          </a:xfrm>
+          <a:prstGeom prst="rect">
+            <a:avLst/>
+          </a:prstGeom>
+        </p:spPr>
+      </p:pic>
+    </p:spTree>
+    <p:extLst>
+      <p:ext uri="{BB962C8B-B14F-4D97-AF65-F5344CB8AC3E}">
+        <p14:creationId xmlns:p14="http://schemas.microsoft.com/office/powerpoint/2010/main" val="801921201"/>
+      </p:ext>
+    </p:extLst>
+  </p:cSld>
+  <p:clrMapOvr>
+    <a:masterClrMapping/>
+  </p:clrMapOvr>
+</p:sld>
+</file>
+
+<file path=ppt/slides/slide8.xml><?xml version="1.0" encoding="utf-8"?>
+<p:sld xmlns:a="http://schemas.openxmlformats.org/drawingml/2006/main" xmlns:r="http://schemas.openxmlformats.org/officeDocument/2006/relationships" xmlns:p="http://schemas.openxmlformats.org/presentationml/2006/main">
+  <p:cSld>
+    <p:spTree>
+      <p:nvGrpSpPr>
+        <p:cNvPr id="1" name=""/>
+        <p:cNvGrpSpPr/>
+        <p:nvPr/>
+      </p:nvGrpSpPr>
+      <p:grpSpPr>
+        <a:xfrm>
+          <a:off x="0" y="0"/>
+          <a:ext cx="0" cy="0"/>
+          <a:chOff x="0" y="0"/>
+          <a:chExt cx="0" cy="0"/>
+        </a:xfrm>
+      </p:grpSpPr>
+      <p:sp>
+        <p:nvSpPr>
+          <p:cNvPr id="2" name="Título 1"/>
+          <p:cNvSpPr>
+            <a:spLocks noGrp="1"/>
+          </p:cNvSpPr>
+          <p:nvPr>
+            <p:ph type="title"/>
+          </p:nvPr>
+        </p:nvSpPr>
+        <p:spPr/>
+        <p:txBody>
+          <a:bodyPr/>
+          <a:lstStyle/>
+          <a:p>
+            <a:endParaRPr lang="es-MX"/>
+          </a:p>
+        </p:txBody>
+      </p:sp>
+      <p:sp>
+        <p:nvSpPr>
+          <p:cNvPr id="3" name="Marcador de contenido 2"/>
+          <p:cNvSpPr>
+            <a:spLocks noGrp="1"/>
+          </p:cNvSpPr>
+          <p:nvPr>
+            <p:ph idx="1"/>
+          </p:nvPr>
+        </p:nvSpPr>
+        <p:spPr/>
+        <p:txBody>
+          <a:bodyPr/>
+          <a:lstStyle/>
+          <a:p>
+            <a:endParaRPr lang="es-MX"/>
+          </a:p>
+        </p:txBody>
+      </p:sp>
+      <p:pic>
+        <p:nvPicPr>
+          <p:cNvPr id="4" name="Imagen 3"/>
+          <p:cNvPicPr>
+            <a:picLocks noChangeAspect="1"/>
+          </p:cNvPicPr>
+          <p:nvPr/>
+        </p:nvPicPr>
+        <p:blipFill>
+          <a:blip r:embed="rId2"/>
+          <a:stretch>
+            <a:fillRect/>
+          </a:stretch>
+        </p:blipFill>
+        <p:spPr>
+          <a:xfrm>
+            <a:off x="120770" y="877578"/>
+            <a:ext cx="11817110" cy="5102843"/>
+          </a:xfrm>
+          <a:prstGeom prst="rect">
+            <a:avLst/>
+          </a:prstGeom>
+        </p:spPr>
+      </p:pic>
+    </p:spTree>
+    <p:extLst>
+      <p:ext uri="{BB962C8B-B14F-4D97-AF65-F5344CB8AC3E}">
+        <p14:creationId xmlns:p14="http://schemas.microsoft.com/office/powerpoint/2010/main" val="365958653"/>
+      </p:ext>
+    </p:extLst>
+  </p:cSld>
+  <p:clrMapOvr>
+    <a:masterClrMapping/>
+  </p:clrMapOvr>
+</p:sld>
+</file>
+
+<file path=ppt/slides/slide9.xml><?xml version="1.0" encoding="utf-8"?>
+<p:sld xmlns:a="http://schemas.openxmlformats.org/drawingml/2006/main" xmlns:r="http://schemas.openxmlformats.org/officeDocument/2006/relationships" xmlns:p="http://schemas.openxmlformats.org/presentationml/2006/main">
+  <p:cSld>
+    <p:spTree>
+      <p:nvGrpSpPr>
+        <p:cNvPr id="1" name=""/>
+        <p:cNvGrpSpPr/>
+        <p:nvPr/>
+      </p:nvGrpSpPr>
+      <p:grpSpPr>
+        <a:xfrm>
+          <a:off x="0" y="0"/>
+          <a:ext cx="0" cy="0"/>
+          <a:chOff x="0" y="0"/>
+          <a:chExt cx="0" cy="0"/>
+        </a:xfrm>
+      </p:grpSpPr>
+      <p:sp>
+        <p:nvSpPr>
+          <p:cNvPr id="2" name="Título 1"/>
+          <p:cNvSpPr>
+            <a:spLocks noGrp="1"/>
+          </p:cNvSpPr>
+          <p:nvPr>
+            <p:ph type="title"/>
+          </p:nvPr>
+        </p:nvSpPr>
+        <p:spPr>
+          <a:xfrm>
+            <a:off x="643467" y="365125"/>
+            <a:ext cx="10710333" cy="1325563"/>
+          </a:xfrm>
+        </p:spPr>
+        <p:txBody>
+          <a:bodyPr/>
+          <a:lstStyle/>
+          <a:p>
+            <a:r>
+              <a:rPr lang="es-MX" b="1" dirty="0" smtClean="0"/>
+              <a:t>Herramientas para la Búsqueda de Información</a:t>
+            </a:r>
+            <a:endParaRPr lang="es-MX" b="1" dirty="0"/>
+          </a:p>
+        </p:txBody>
+      </p:sp>
+      <p:sp>
+        <p:nvSpPr>
+          <p:cNvPr id="3" name="Marcador de contenido 2"/>
+          <p:cNvSpPr>
+            <a:spLocks noGrp="1"/>
+          </p:cNvSpPr>
+          <p:nvPr>
+            <p:ph idx="1"/>
+          </p:nvPr>
+        </p:nvSpPr>
+        <p:spPr>
+          <a:xfrm>
+            <a:off x="643467" y="1825625"/>
+            <a:ext cx="10710333" cy="4351338"/>
+          </a:xfrm>
+        </p:spPr>
+        <p:txBody>
+          <a:bodyPr/>
+          <a:lstStyle/>
+          <a:p>
+            <a:r>
+              <a:rPr lang="es-MX" dirty="0" smtClean="0"/>
+              <a:t>Bibliotecas</a:t>
+            </a:r>
+          </a:p>
+          <a:p>
+            <a:endParaRPr lang="es-MX" dirty="0"/>
+          </a:p>
+          <a:p>
+            <a:r>
+              <a:rPr lang="es-MX" dirty="0" smtClean="0"/>
+              <a:t>Buscadores de internet</a:t>
+            </a:r>
+          </a:p>
+          <a:p>
+            <a:endParaRPr lang="es-MX" dirty="0"/>
+          </a:p>
+          <a:p>
+            <a:endParaRPr lang="es-MX" dirty="0"/>
+          </a:p>
+        </p:txBody>
+      </p:sp>
+      <p:sp>
+        <p:nvSpPr>
+          <p:cNvPr id="4" name="Rectángulo 3"/>
+          <p:cNvSpPr/>
+          <p:nvPr/>
+        </p:nvSpPr>
+        <p:spPr>
+          <a:xfrm>
+            <a:off x="0" y="0"/>
+            <a:ext cx="12192000" cy="550333"/>
+          </a:xfrm>
+          <a:prstGeom prst="rect">
+            <a:avLst/>
+          </a:prstGeom>
+        </p:spPr>
+        <p:style>
+          <a:lnRef idx="0">
+            <a:schemeClr val="accent1"/>
+          </a:lnRef>
+          <a:fillRef idx="3">
+            <a:schemeClr val="accent1"/>
+          </a:fillRef>
+          <a:effectRef idx="3">
+            <a:schemeClr val="accent1"/>
+          </a:effectRef>
+          <a:fontRef idx="minor">
+            <a:schemeClr val="lt1"/>
+          </a:fontRef>
+        </p:style>
+        <p:txBody>
+          <a:bodyPr rtlCol="0" anchor="ctr"/>
+          <a:lstStyle/>
+          <a:p>
+            <a:pPr algn="ctr"/>
+            <a:endParaRPr lang="es-MX"/>
+          </a:p>
+        </p:txBody>
+      </p:sp>
+      <p:sp>
+        <p:nvSpPr>
+          <p:cNvPr id="5" name="Rectángulo 4"/>
+          <p:cNvSpPr/>
+          <p:nvPr/>
+        </p:nvSpPr>
+        <p:spPr>
+          <a:xfrm>
+            <a:off x="0" y="5808133"/>
+            <a:ext cx="12192000" cy="1049867"/>
+          </a:xfrm>
+          <a:prstGeom prst="rect">
+            <a:avLst/>
+          </a:prstGeom>
+        </p:spPr>
+        <p:style>
+          <a:lnRef idx="0">
+            <a:schemeClr val="accent1"/>
+          </a:lnRef>
+          <a:fillRef idx="3">
+            <a:schemeClr val="accent1"/>
+          </a:fillRef>
+          <a:effectRef idx="3">
+            <a:schemeClr val="accent1"/>
+          </a:effectRef>
+          <a:fontRef idx="minor">
+            <a:schemeClr val="lt1"/>
+          </a:fontRef>
+        </p:style>
+        <p:txBody>
+          <a:bodyPr rtlCol="0" anchor="ctr"/>
+          <a:lstStyle/>
+          <a:p>
+            <a:pPr algn="ctr"/>
+            <a:endParaRPr lang="es-MX"/>
+          </a:p>
+        </p:txBody>
+      </p:sp>
+    </p:spTree>
+    <p:extLst>
+      <p:ext uri="{BB962C8B-B14F-4D97-AF65-F5344CB8AC3E}">
+        <p14:creationId xmlns:p14="http://schemas.microsoft.com/office/powerpoint/2010/main" val="3234722816"/>
       </p:ext>
     </p:extLst>
   </p:cSld>
